--- a/5/s5_transforming_data.pptx
+++ b/5/s5_transforming_data.pptx
@@ -223,7 +223,7 @@
           <a:p>
             <a:fld id="{A9A5DA3C-BDF6-44EF-83ED-A29CA680A5AA}" type="datetimeFigureOut">
               <a:rPr lang="en-GB" smtClean="0"/>
-              <a:t>16/04/2024</a:t>
+              <a:t>23/04/2024</a:t>
             </a:fld>
             <a:endParaRPr lang="en-GB"/>
           </a:p>
@@ -727,7 +727,7 @@
           <a:p>
             <a:fld id="{1041D2DD-F029-4FB0-BB12-3B6037A6356B}" type="datetimeFigureOut">
               <a:rPr lang="en-GB" smtClean="0"/>
-              <a:t>16/04/2024</a:t>
+              <a:t>23/04/2024</a:t>
             </a:fld>
             <a:endParaRPr lang="en-GB"/>
           </a:p>
@@ -927,7 +927,7 @@
           <a:p>
             <a:fld id="{1041D2DD-F029-4FB0-BB12-3B6037A6356B}" type="datetimeFigureOut">
               <a:rPr lang="en-GB" smtClean="0"/>
-              <a:t>16/04/2024</a:t>
+              <a:t>23/04/2024</a:t>
             </a:fld>
             <a:endParaRPr lang="en-GB"/>
           </a:p>
@@ -1137,7 +1137,7 @@
           <a:p>
             <a:fld id="{1041D2DD-F029-4FB0-BB12-3B6037A6356B}" type="datetimeFigureOut">
               <a:rPr lang="en-GB" smtClean="0"/>
-              <a:t>16/04/2024</a:t>
+              <a:t>23/04/2024</a:t>
             </a:fld>
             <a:endParaRPr lang="en-GB"/>
           </a:p>
@@ -1341,7 +1341,7 @@
           <a:p>
             <a:fld id="{2E2C077B-C732-49E5-B20E-05DE29246531}" type="datetimeFigureOut">
               <a:rPr lang="en-GB" smtClean="0"/>
-              <a:t>16/04/2024</a:t>
+              <a:t>23/04/2024</a:t>
             </a:fld>
             <a:endParaRPr lang="en-GB"/>
           </a:p>
@@ -1511,7 +1511,7 @@
           <a:p>
             <a:fld id="{2E2C077B-C732-49E5-B20E-05DE29246531}" type="datetimeFigureOut">
               <a:rPr lang="en-GB" smtClean="0"/>
-              <a:t>16/04/2024</a:t>
+              <a:t>23/04/2024</a:t>
             </a:fld>
             <a:endParaRPr lang="en-GB"/>
           </a:p>
@@ -1757,7 +1757,7 @@
           <a:p>
             <a:fld id="{2E2C077B-C732-49E5-B20E-05DE29246531}" type="datetimeFigureOut">
               <a:rPr lang="en-GB" smtClean="0"/>
-              <a:t>16/04/2024</a:t>
+              <a:t>23/04/2024</a:t>
             </a:fld>
             <a:endParaRPr lang="en-GB"/>
           </a:p>
@@ -1989,7 +1989,7 @@
           <a:p>
             <a:fld id="{2E2C077B-C732-49E5-B20E-05DE29246531}" type="datetimeFigureOut">
               <a:rPr lang="en-GB" smtClean="0"/>
-              <a:t>16/04/2024</a:t>
+              <a:t>23/04/2024</a:t>
             </a:fld>
             <a:endParaRPr lang="en-GB"/>
           </a:p>
@@ -2356,7 +2356,7 @@
           <a:p>
             <a:fld id="{2E2C077B-C732-49E5-B20E-05DE29246531}" type="datetimeFigureOut">
               <a:rPr lang="en-GB" smtClean="0"/>
-              <a:t>16/04/2024</a:t>
+              <a:t>23/04/2024</a:t>
             </a:fld>
             <a:endParaRPr lang="en-GB"/>
           </a:p>
@@ -2474,7 +2474,7 @@
           <a:p>
             <a:fld id="{2E2C077B-C732-49E5-B20E-05DE29246531}" type="datetimeFigureOut">
               <a:rPr lang="en-GB" smtClean="0"/>
-              <a:t>16/04/2024</a:t>
+              <a:t>23/04/2024</a:t>
             </a:fld>
             <a:endParaRPr lang="en-GB"/>
           </a:p>
@@ -2569,7 +2569,7 @@
           <a:p>
             <a:fld id="{2E2C077B-C732-49E5-B20E-05DE29246531}" type="datetimeFigureOut">
               <a:rPr lang="en-GB" smtClean="0"/>
-              <a:t>16/04/2024</a:t>
+              <a:t>23/04/2024</a:t>
             </a:fld>
             <a:endParaRPr lang="en-GB"/>
           </a:p>
@@ -2846,7 +2846,7 @@
           <a:p>
             <a:fld id="{2E2C077B-C732-49E5-B20E-05DE29246531}" type="datetimeFigureOut">
               <a:rPr lang="en-GB" smtClean="0"/>
-              <a:t>16/04/2024</a:t>
+              <a:t>23/04/2024</a:t>
             </a:fld>
             <a:endParaRPr lang="en-GB"/>
           </a:p>
@@ -3034,7 +3034,7 @@
           <a:p>
             <a:fld id="{1041D2DD-F029-4FB0-BB12-3B6037A6356B}" type="datetimeFigureOut">
               <a:rPr lang="en-GB" smtClean="0"/>
-              <a:t>16/04/2024</a:t>
+              <a:t>23/04/2024</a:t>
             </a:fld>
             <a:endParaRPr lang="en-GB"/>
           </a:p>
@@ -3299,7 +3299,7 @@
           <a:p>
             <a:fld id="{2E2C077B-C732-49E5-B20E-05DE29246531}" type="datetimeFigureOut">
               <a:rPr lang="en-GB" smtClean="0"/>
-              <a:t>16/04/2024</a:t>
+              <a:t>23/04/2024</a:t>
             </a:fld>
             <a:endParaRPr lang="en-GB"/>
           </a:p>
@@ -3469,7 +3469,7 @@
           <a:p>
             <a:fld id="{2E2C077B-C732-49E5-B20E-05DE29246531}" type="datetimeFigureOut">
               <a:rPr lang="en-GB" smtClean="0"/>
-              <a:t>16/04/2024</a:t>
+              <a:t>23/04/2024</a:t>
             </a:fld>
             <a:endParaRPr lang="en-GB"/>
           </a:p>
@@ -3649,7 +3649,7 @@
           <a:p>
             <a:fld id="{2E2C077B-C732-49E5-B20E-05DE29246531}" type="datetimeFigureOut">
               <a:rPr lang="en-GB" smtClean="0"/>
-              <a:t>16/04/2024</a:t>
+              <a:t>23/04/2024</a:t>
             </a:fld>
             <a:endParaRPr lang="en-GB"/>
           </a:p>
@@ -3913,7 +3913,7 @@
           <a:p>
             <a:fld id="{1041D2DD-F029-4FB0-BB12-3B6037A6356B}" type="datetimeFigureOut">
               <a:rPr lang="en-GB" smtClean="0"/>
-              <a:t>16/04/2024</a:t>
+              <a:t>23/04/2024</a:t>
             </a:fld>
             <a:endParaRPr lang="en-GB"/>
           </a:p>
@@ -4181,7 +4181,7 @@
           <a:p>
             <a:fld id="{1041D2DD-F029-4FB0-BB12-3B6037A6356B}" type="datetimeFigureOut">
               <a:rPr lang="en-GB" smtClean="0"/>
-              <a:t>16/04/2024</a:t>
+              <a:t>23/04/2024</a:t>
             </a:fld>
             <a:endParaRPr lang="en-GB"/>
           </a:p>
@@ -4596,7 +4596,7 @@
           <a:p>
             <a:fld id="{1041D2DD-F029-4FB0-BB12-3B6037A6356B}" type="datetimeFigureOut">
               <a:rPr lang="en-GB" smtClean="0"/>
-              <a:t>16/04/2024</a:t>
+              <a:t>23/04/2024</a:t>
             </a:fld>
             <a:endParaRPr lang="en-GB"/>
           </a:p>
@@ -4738,7 +4738,7 @@
           <a:p>
             <a:fld id="{1041D2DD-F029-4FB0-BB12-3B6037A6356B}" type="datetimeFigureOut">
               <a:rPr lang="en-GB" smtClean="0"/>
-              <a:t>16/04/2024</a:t>
+              <a:t>23/04/2024</a:t>
             </a:fld>
             <a:endParaRPr lang="en-GB"/>
           </a:p>
@@ -4851,7 +4851,7 @@
           <a:p>
             <a:fld id="{1041D2DD-F029-4FB0-BB12-3B6037A6356B}" type="datetimeFigureOut">
               <a:rPr lang="en-GB" smtClean="0"/>
-              <a:t>16/04/2024</a:t>
+              <a:t>23/04/2024</a:t>
             </a:fld>
             <a:endParaRPr lang="en-GB"/>
           </a:p>
@@ -5164,7 +5164,7 @@
           <a:p>
             <a:fld id="{1041D2DD-F029-4FB0-BB12-3B6037A6356B}" type="datetimeFigureOut">
               <a:rPr lang="en-GB" smtClean="0"/>
-              <a:t>16/04/2024</a:t>
+              <a:t>23/04/2024</a:t>
             </a:fld>
             <a:endParaRPr lang="en-GB"/>
           </a:p>
@@ -5453,7 +5453,7 @@
           <a:p>
             <a:fld id="{1041D2DD-F029-4FB0-BB12-3B6037A6356B}" type="datetimeFigureOut">
               <a:rPr lang="en-GB" smtClean="0"/>
-              <a:t>16/04/2024</a:t>
+              <a:t>23/04/2024</a:t>
             </a:fld>
             <a:endParaRPr lang="en-GB"/>
           </a:p>
@@ -5696,7 +5696,7 @@
           <a:p>
             <a:fld id="{1041D2DD-F029-4FB0-BB12-3B6037A6356B}" type="datetimeFigureOut">
               <a:rPr lang="en-GB" smtClean="0"/>
-              <a:t>16/04/2024</a:t>
+              <a:t>23/04/2024</a:t>
             </a:fld>
             <a:endParaRPr lang="en-GB"/>
           </a:p>
@@ -6251,7 +6251,7 @@
           <a:p>
             <a:fld id="{2E2C077B-C732-49E5-B20E-05DE29246531}" type="datetimeFigureOut">
               <a:rPr lang="en-GB" smtClean="0"/>
-              <a:t>16/04/2024</a:t>
+              <a:t>23/04/2024</a:t>
             </a:fld>
             <a:endParaRPr lang="en-GB"/>
           </a:p>
@@ -7004,7 +7004,7 @@
         <p:spPr>
           <a:xfrm>
             <a:off x="798580" y="4279604"/>
-            <a:ext cx="6096928" cy="341632"/>
+            <a:ext cx="7920118" cy="424732"/>
           </a:xfrm>
           <a:prstGeom prst="rect">
             <a:avLst/>
@@ -7035,7 +7035,7 @@
               <a:defRPr/>
             </a:pPr>
             <a:r>
-              <a:rPr kumimoji="0" lang="en-GB" sz="1800" b="0" i="1" u="none" strike="noStrike" kern="1200" cap="none" spc="0" normalizeH="0" baseline="0" noProof="0" dirty="0">
+              <a:rPr kumimoji="0" lang="en-GB" sz="2400" b="0" i="1" u="none" strike="noStrike" kern="1200" cap="none" spc="0" normalizeH="0" baseline="0" noProof="0" dirty="0">
                 <a:ln>
                   <a:noFill/>
                 </a:ln>
@@ -7051,7 +7051,7 @@
               </a:rPr>
               <a:t>Producing Charts from Multiple Sources (20 minutes)</a:t>
             </a:r>
-            <a:endParaRPr kumimoji="0" lang="en-GB" sz="3600" b="0" i="1" u="none" strike="noStrike" kern="1200" cap="none" spc="0" normalizeH="0" baseline="0" noProof="0" dirty="0">
+            <a:endParaRPr kumimoji="0" lang="en-GB" sz="4400" b="0" i="1" u="none" strike="noStrike" kern="1200" cap="none" spc="0" normalizeH="0" baseline="0" noProof="0" dirty="0">
               <a:ln>
                 <a:noFill/>
               </a:ln>
@@ -7083,7 +7083,7 @@
         <p:spPr>
           <a:xfrm>
             <a:off x="798580" y="5142205"/>
-            <a:ext cx="6096928" cy="341632"/>
+            <a:ext cx="6096928" cy="424732"/>
           </a:xfrm>
           <a:prstGeom prst="rect">
             <a:avLst/>
@@ -7114,7 +7114,7 @@
               <a:defRPr/>
             </a:pPr>
             <a:r>
-              <a:rPr kumimoji="0" lang="en-GB" sz="1800" b="0" i="1" u="none" strike="noStrike" kern="1200" cap="none" spc="0" normalizeH="0" baseline="0" noProof="0" dirty="0">
+              <a:rPr kumimoji="0" lang="en-GB" sz="2400" b="0" i="1" u="none" strike="noStrike" kern="1200" cap="none" spc="0" normalizeH="0" baseline="0" noProof="0" dirty="0">
                 <a:ln>
                   <a:noFill/>
                 </a:ln>
@@ -7130,7 +7130,7 @@
               </a:rPr>
               <a:t>Guided chart creation (40 minutes)</a:t>
             </a:r>
-            <a:endParaRPr kumimoji="0" lang="en-GB" sz="3600" b="0" i="1" u="none" strike="noStrike" kern="1200" cap="none" spc="0" normalizeH="0" baseline="0" noProof="0" dirty="0">
+            <a:endParaRPr kumimoji="0" lang="en-GB" sz="4400" b="0" i="1" u="none" strike="noStrike" kern="1200" cap="none" spc="0" normalizeH="0" baseline="0" noProof="0" dirty="0">
               <a:ln>
                 <a:noFill/>
               </a:ln>
